--- a/Présentation_Projet_Python.pptx
+++ b/Présentation_Projet_Python.pptx
@@ -5,10 +5,10 @@
     <p:sldMasterId id="2147483648" r:id="rId1"/>
   </p:sldMasterIdLst>
   <p:notesMasterIdLst>
-    <p:notesMasterId r:id="rId14"/>
+    <p:notesMasterId r:id="rId15"/>
   </p:notesMasterIdLst>
   <p:handoutMasterIdLst>
-    <p:handoutMasterId r:id="rId15"/>
+    <p:handoutMasterId r:id="rId16"/>
   </p:handoutMasterIdLst>
   <p:sldIdLst>
     <p:sldId id="256" r:id="rId2"/>
@@ -20,9 +20,10 @@
     <p:sldId id="258" r:id="rId8"/>
     <p:sldId id="261" r:id="rId9"/>
     <p:sldId id="270" r:id="rId10"/>
-    <p:sldId id="271" r:id="rId11"/>
-    <p:sldId id="268" r:id="rId12"/>
-    <p:sldId id="269" r:id="rId13"/>
+    <p:sldId id="272" r:id="rId11"/>
+    <p:sldId id="271" r:id="rId12"/>
+    <p:sldId id="268" r:id="rId13"/>
+    <p:sldId id="269" r:id="rId14"/>
   </p:sldIdLst>
   <p:sldSz cx="9144000" cy="5143500" type="screen16x9"/>
   <p:notesSz cx="6858000" cy="9144000"/>
@@ -9753,6 +9754,231 @@
       </p:sp>
       <p:pic>
         <p:nvPicPr>
+          <p:cNvPr id="3" name="Image 2">
+            <a:extLst>
+              <a:ext uri="{FF2B5EF4-FFF2-40B4-BE49-F238E27FC236}">
+                <a16:creationId xmlns:a16="http://schemas.microsoft.com/office/drawing/2014/main" id="{5F876A94-758E-70FB-5597-AACD14D5B7B7}"/>
+              </a:ext>
+            </a:extLst>
+          </p:cNvPr>
+          <p:cNvPicPr>
+            <a:picLocks noChangeAspect="1"/>
+          </p:cNvPicPr>
+          <p:nvPr/>
+        </p:nvPicPr>
+        <p:blipFill>
+          <a:blip r:embed="rId2"/>
+          <a:stretch>
+            <a:fillRect/>
+          </a:stretch>
+        </p:blipFill>
+        <p:spPr>
+          <a:xfrm>
+            <a:off x="923133" y="1851670"/>
+            <a:ext cx="4558617" cy="2613025"/>
+          </a:xfrm>
+          <a:prstGeom prst="rect">
+            <a:avLst/>
+          </a:prstGeom>
+        </p:spPr>
+      </p:pic>
+      <p:pic>
+        <p:nvPicPr>
+          <p:cNvPr id="8" name="Image 7">
+            <a:extLst>
+              <a:ext uri="{FF2B5EF4-FFF2-40B4-BE49-F238E27FC236}">
+                <a16:creationId xmlns:a16="http://schemas.microsoft.com/office/drawing/2014/main" id="{BB080DAC-4528-7BB1-ABC7-2CCF05FAB6C4}"/>
+              </a:ext>
+            </a:extLst>
+          </p:cNvPr>
+          <p:cNvPicPr>
+            <a:picLocks noChangeAspect="1"/>
+          </p:cNvPicPr>
+          <p:nvPr/>
+        </p:nvPicPr>
+        <p:blipFill>
+          <a:blip r:embed="rId3"/>
+          <a:stretch>
+            <a:fillRect/>
+          </a:stretch>
+        </p:blipFill>
+        <p:spPr>
+          <a:xfrm>
+            <a:off x="6195405" y="1851670"/>
+            <a:ext cx="1905075" cy="910561"/>
+          </a:xfrm>
+          <a:prstGeom prst="rect">
+            <a:avLst/>
+          </a:prstGeom>
+        </p:spPr>
+      </p:pic>
+      <p:pic>
+        <p:nvPicPr>
+          <p:cNvPr id="13" name="Image 12">
+            <a:extLst>
+              <a:ext uri="{FF2B5EF4-FFF2-40B4-BE49-F238E27FC236}">
+                <a16:creationId xmlns:a16="http://schemas.microsoft.com/office/drawing/2014/main" id="{92658D0C-1397-B8A9-8E66-9B7B2E43AC45}"/>
+              </a:ext>
+            </a:extLst>
+          </p:cNvPr>
+          <p:cNvPicPr>
+            <a:picLocks noChangeAspect="1"/>
+          </p:cNvPicPr>
+          <p:nvPr/>
+        </p:nvPicPr>
+        <p:blipFill>
+          <a:blip r:embed="rId4"/>
+          <a:stretch>
+            <a:fillRect/>
+          </a:stretch>
+        </p:blipFill>
+        <p:spPr>
+          <a:xfrm>
+            <a:off x="6228184" y="3447297"/>
+            <a:ext cx="1872296" cy="1017398"/>
+          </a:xfrm>
+          <a:prstGeom prst="rect">
+            <a:avLst/>
+          </a:prstGeom>
+        </p:spPr>
+      </p:pic>
+    </p:spTree>
+    <p:extLst>
+      <p:ext uri="{BB962C8B-B14F-4D97-AF65-F5344CB8AC3E}">
+        <p14:creationId xmlns:p14="http://schemas.microsoft.com/office/powerpoint/2010/main" val="3293189717"/>
+      </p:ext>
+    </p:extLst>
+  </p:cSld>
+  <p:clrMapOvr>
+    <a:masterClrMapping/>
+  </p:clrMapOvr>
+</p:sld>
+</file>
+
+<file path=ppt/slides/slide11.xml><?xml version="1.0" encoding="utf-8"?>
+<p:sld xmlns:a="http://schemas.openxmlformats.org/drawingml/2006/main" xmlns:r="http://schemas.openxmlformats.org/officeDocument/2006/relationships" xmlns:p="http://schemas.openxmlformats.org/presentationml/2006/main">
+  <p:cSld>
+    <p:spTree>
+      <p:nvGrpSpPr>
+        <p:cNvPr id="1" name=""/>
+        <p:cNvGrpSpPr/>
+        <p:nvPr/>
+      </p:nvGrpSpPr>
+      <p:grpSpPr>
+        <a:xfrm>
+          <a:off x="0" y="0"/>
+          <a:ext cx="0" cy="0"/>
+          <a:chOff x="0" y="0"/>
+          <a:chExt cx="0" cy="0"/>
+        </a:xfrm>
+      </p:grpSpPr>
+      <p:sp>
+        <p:nvSpPr>
+          <p:cNvPr id="9" name="ZoneTexte 8"/>
+          <p:cNvSpPr txBox="1"/>
+          <p:nvPr/>
+        </p:nvSpPr>
+        <p:spPr>
+          <a:xfrm>
+            <a:off x="528498" y="627534"/>
+            <a:ext cx="1458477" cy="523220"/>
+          </a:xfrm>
+          <a:prstGeom prst="rect">
+            <a:avLst/>
+          </a:prstGeom>
+          <a:noFill/>
+        </p:spPr>
+        <p:txBody>
+          <a:bodyPr wrap="none" rtlCol="0">
+            <a:spAutoFit/>
+          </a:bodyPr>
+          <a:lstStyle/>
+          <a:p>
+            <a:pPr algn="ctr"/>
+            <a:r>
+              <a:rPr lang="fr-FR" sz="2800" b="1" dirty="0">
+                <a:solidFill>
+                  <a:schemeClr val="tx1">
+                    <a:lumMod val="65000"/>
+                    <a:lumOff val="35000"/>
+                  </a:schemeClr>
+                </a:solidFill>
+              </a:rPr>
+              <a:t>Partie IV</a:t>
+            </a:r>
+          </a:p>
+        </p:txBody>
+      </p:sp>
+      <p:sp>
+        <p:nvSpPr>
+          <p:cNvPr id="10" name="ZoneTexte 9"/>
+          <p:cNvSpPr txBox="1"/>
+          <p:nvPr/>
+        </p:nvSpPr>
+        <p:spPr>
+          <a:xfrm>
+            <a:off x="908273" y="1388264"/>
+            <a:ext cx="3641831" cy="369332"/>
+          </a:xfrm>
+          <a:prstGeom prst="rect">
+            <a:avLst/>
+          </a:prstGeom>
+          <a:noFill/>
+        </p:spPr>
+        <p:txBody>
+          <a:bodyPr wrap="none" rtlCol="0">
+            <a:spAutoFit/>
+          </a:bodyPr>
+          <a:lstStyle/>
+          <a:p>
+            <a:r>
+              <a:rPr lang="fr-FR" b="1" dirty="0">
+                <a:solidFill>
+                  <a:srgbClr val="0085B6"/>
+                </a:solidFill>
+              </a:rPr>
+              <a:t>Explication des fonctions principales</a:t>
+            </a:r>
+          </a:p>
+        </p:txBody>
+      </p:sp>
+      <p:sp>
+        <p:nvSpPr>
+          <p:cNvPr id="11" name="ZoneTexte 10">
+            <a:extLst>
+              <a:ext uri="{FF2B5EF4-FFF2-40B4-BE49-F238E27FC236}">
+                <a16:creationId xmlns:a16="http://schemas.microsoft.com/office/drawing/2014/main" id="{ABE71FFF-03DA-C5B6-0C54-EBFAE3853179}"/>
+              </a:ext>
+            </a:extLst>
+          </p:cNvPr>
+          <p:cNvSpPr txBox="1"/>
+          <p:nvPr/>
+        </p:nvSpPr>
+        <p:spPr>
+          <a:xfrm>
+            <a:off x="107504" y="4659982"/>
+            <a:ext cx="432048" cy="369332"/>
+          </a:xfrm>
+          <a:prstGeom prst="rect">
+            <a:avLst/>
+          </a:prstGeom>
+          <a:noFill/>
+        </p:spPr>
+        <p:txBody>
+          <a:bodyPr wrap="square" rtlCol="0">
+            <a:spAutoFit/>
+          </a:bodyPr>
+          <a:lstStyle/>
+          <a:p>
+            <a:r>
+              <a:rPr lang="fr-FR" dirty="0"/>
+              <a:t>11</a:t>
+            </a:r>
+          </a:p>
+        </p:txBody>
+      </p:sp>
+      <p:pic>
+        <p:nvPicPr>
           <p:cNvPr id="5" name="Image 4" descr="Une image contenant texte, capture d’écran, Police, nombre&#10;&#10;Description générée automatiquement">
             <a:extLst>
               <a:ext uri="{FF2B5EF4-FFF2-40B4-BE49-F238E27FC236}">
@@ -9872,7 +10098,7 @@
 </p:sld>
 </file>
 
-<file path=ppt/slides/slide11.xml><?xml version="1.0" encoding="utf-8"?>
+<file path=ppt/slides/slide12.xml><?xml version="1.0" encoding="utf-8"?>
 <p:sld xmlns:a="http://schemas.openxmlformats.org/drawingml/2006/main" xmlns:r="http://schemas.openxmlformats.org/officeDocument/2006/relationships" xmlns:p="http://schemas.openxmlformats.org/presentationml/2006/main">
   <p:cSld>
     <p:spTree>
@@ -10122,7 +10348,7 @@
           <a:p>
             <a:r>
               <a:rPr lang="fr-FR" dirty="0"/>
-              <a:t>11</a:t>
+              <a:t>12</a:t>
             </a:r>
           </a:p>
         </p:txBody>
@@ -10140,7 +10366,7 @@
 </p:sld>
 </file>
 
-<file path=ppt/slides/slide12.xml><?xml version="1.0" encoding="utf-8"?>
+<file path=ppt/slides/slide13.xml><?xml version="1.0" encoding="utf-8"?>
 <p:sld xmlns:a="http://schemas.openxmlformats.org/drawingml/2006/main" xmlns:r="http://schemas.openxmlformats.org/officeDocument/2006/relationships" xmlns:p="http://schemas.openxmlformats.org/presentationml/2006/main">
   <p:cSld>
     <p:spTree>
@@ -10359,7 +10585,7 @@
           <a:p>
             <a:r>
               <a:rPr lang="fr-FR" dirty="0"/>
-              <a:t>12</a:t>
+              <a:t>13</a:t>
             </a:r>
           </a:p>
         </p:txBody>
